--- a/grpc/protobuf学习.pptx
+++ b/grpc/protobuf学习.pptx
@@ -1,25 +1,28 @@
 
 <file path=ppt/presentation.xml><?xml version="1.0" encoding="utf-8"?>
-<p:presentation xmlns:a="http://schemas.openxmlformats.org/drawingml/2006/main" xmlns:r="http://schemas.openxmlformats.org/officeDocument/2006/relationships" xmlns:p="http://schemas.openxmlformats.org/presentationml/2006/main" saveSubsetFonts="1">
+<p:presentation xmlns:a="http://schemas.openxmlformats.org/drawingml/2006/main" xmlns:r="http://schemas.openxmlformats.org/officeDocument/2006/relationships" xmlns:p="http://schemas.openxmlformats.org/presentationml/2006/main">
   <p:sldMasterIdLst>
     <p:sldMasterId id="2147483648" r:id="rId1"/>
   </p:sldMasterIdLst>
   <p:notesMasterIdLst>
-    <p:notesMasterId r:id="rId11"/>
+    <p:notesMasterId r:id="rId12"/>
   </p:notesMasterIdLst>
   <p:sldIdLst>
-    <p:sldId id="258" r:id="rId2"/>
-    <p:sldId id="319" r:id="rId3"/>
-    <p:sldId id="336" r:id="rId4"/>
-    <p:sldId id="320" r:id="rId5"/>
-    <p:sldId id="338" r:id="rId6"/>
-    <p:sldId id="337" r:id="rId7"/>
-    <p:sldId id="339" r:id="rId8"/>
-    <p:sldId id="335" r:id="rId9"/>
-    <p:sldId id="340" r:id="rId10"/>
+    <p:sldId id="258" r:id="rId3"/>
+    <p:sldId id="319" r:id="rId4"/>
+    <p:sldId id="336" r:id="rId5"/>
+    <p:sldId id="320" r:id="rId6"/>
+    <p:sldId id="338" r:id="rId7"/>
+    <p:sldId id="337" r:id="rId8"/>
+    <p:sldId id="339" r:id="rId9"/>
+    <p:sldId id="335" r:id="rId10"/>
+    <p:sldId id="340" r:id="rId11"/>
   </p:sldIdLst>
   <p:sldSz cx="12192000" cy="6858000"/>
   <p:notesSz cx="6858000" cy="9144000"/>
+  <p:custDataLst>
+    <p:tags r:id="rId17"/>
+  </p:custDataLst>
   <p:defaultTextStyle>
     <a:defPPr>
       <a:defRPr lang="zh-CN"/>
@@ -115,23 +118,12 @@
       </a:defRPr>
     </a:lvl9pPr>
   </p:defaultTextStyle>
-  <p:extLst>
-    <p:ext uri="{EFAFB233-063F-42B5-8137-9DF3F51BA10A}">
-      <p15:sldGuideLst xmlns:p15="http://schemas.microsoft.com/office/powerpoint/2012/main"/>
-    </p:ext>
-  </p:extLst>
 </p:presentation>
 </file>
 
 <file path=ppt/commentAuthors.xml><?xml version="1.0" encoding="utf-8"?>
 <p:cmAuthorLst xmlns:a="http://schemas.openxmlformats.org/drawingml/2006/main" xmlns:r="http://schemas.openxmlformats.org/officeDocument/2006/relationships" xmlns:p="http://schemas.openxmlformats.org/presentationml/2006/main">
-  <p:cmAuthor id="1" name="Dai Longwen 戴隆文(ISSEC,PATAC)" initials="DL戴" lastIdx="2" clrIdx="0">
-    <p:extLst>
-      <p:ext uri="{19B8F6BF-5375-455C-9EA6-DF929625EA0E}">
-        <p15:presenceInfo xmlns:p15="http://schemas.microsoft.com/office/powerpoint/2012/main" userId="S-1-5-21-647455628-603139626-328618392-51925" providerId="AD"/>
-      </p:ext>
-    </p:extLst>
-  </p:cmAuthor>
+  <p:cmAuthor id="1" name="Dai Longwen 戴隆文(ISSEC,PATAC)" initials="DL戴" lastIdx="2" clrIdx="0"/>
 </p:cmAuthorLst>
 </file>
 
@@ -217,7 +209,6 @@
           <a:p>
             <a:fld id="{A3C48E6D-735E-4528-BDB7-3B64D3F821DE}" type="datetimeFigureOut">
               <a:rPr lang="zh-CN" altLang="en-US" smtClean="0"/>
-              <a:t>2023/2/6</a:t>
             </a:fld>
             <a:endParaRPr lang="zh-CN" altLang="en-US"/>
           </a:p>
@@ -284,6 +275,7 @@
               <a:rPr lang="en-US" altLang="zh-CN"/>
               <a:t>Edit Master text styles</a:t>
             </a:r>
+            <a:endParaRPr lang="en-US" altLang="zh-CN"/>
           </a:p>
           <a:p>
             <a:pPr lvl="1"/>
@@ -291,6 +283,7 @@
               <a:rPr lang="en-US" altLang="zh-CN"/>
               <a:t>Second level</a:t>
             </a:r>
+            <a:endParaRPr lang="en-US" altLang="zh-CN"/>
           </a:p>
           <a:p>
             <a:pPr lvl="2"/>
@@ -298,6 +291,7 @@
               <a:rPr lang="en-US" altLang="zh-CN"/>
               <a:t>Third level</a:t>
             </a:r>
+            <a:endParaRPr lang="en-US" altLang="zh-CN"/>
           </a:p>
           <a:p>
             <a:pPr lvl="3"/>
@@ -305,6 +299,7 @@
               <a:rPr lang="en-US" altLang="zh-CN"/>
               <a:t>Fourth level</a:t>
             </a:r>
+            <a:endParaRPr lang="en-US" altLang="zh-CN"/>
           </a:p>
           <a:p>
             <a:pPr lvl="4"/>
@@ -376,18 +371,12 @@
           <a:p>
             <a:fld id="{E8CD1416-4C5F-4862-8318-4D9401A34A12}" type="slidenum">
               <a:rPr lang="zh-CN" altLang="en-US" smtClean="0"/>
-              <a:t>‹#›</a:t>
             </a:fld>
             <a:endParaRPr lang="zh-CN" altLang="en-US"/>
           </a:p>
         </p:txBody>
       </p:sp>
     </p:spTree>
-    <p:extLst>
-      <p:ext uri="{BB962C8B-B14F-4D97-AF65-F5344CB8AC3E}">
-        <p14:creationId xmlns:p14="http://schemas.microsoft.com/office/powerpoint/2010/main" val="352863212"/>
-      </p:ext>
-    </p:extLst>
   </p:cSld>
   <p:clrMap bg1="lt1" tx1="dk1" bg2="lt2" tx2="dk2" accent1="accent1" accent2="accent2" accent3="accent3" accent4="accent4" accent5="accent5" accent6="accent6" hlink="hlink" folHlink="folHlink"/>
   <p:notesStyle>
@@ -668,7 +657,6 @@
           <a:p>
             <a:fld id="{0E531E82-64DB-449D-B90B-BF00E4CB7395}" type="datetimeFigureOut">
               <a:rPr lang="zh-CN" altLang="en-US" smtClean="0"/>
-              <a:t>2023/2/6</a:t>
             </a:fld>
             <a:endParaRPr lang="zh-CN" altLang="en-US"/>
           </a:p>
@@ -720,7 +708,6 @@
           <a:p>
             <a:fld id="{5DE70D9F-83B0-43BD-B835-7C0078D8551A}" type="slidenum">
               <a:rPr lang="zh-CN" altLang="en-US" smtClean="0"/>
-              <a:t>‹#›</a:t>
             </a:fld>
             <a:endParaRPr lang="zh-CN" altLang="en-US"/>
           </a:p>
@@ -768,11 +755,6 @@
         </p:txBody>
       </p:sp>
     </p:spTree>
-    <p:extLst>
-      <p:ext uri="{BB962C8B-B14F-4D97-AF65-F5344CB8AC3E}">
-        <p14:creationId xmlns:p14="http://schemas.microsoft.com/office/powerpoint/2010/main" val="4122755451"/>
-      </p:ext>
-    </p:extLst>
   </p:cSld>
   <p:clrMapOvr>
     <a:masterClrMapping/>
@@ -874,6 +856,13 @@
                 </a:rPr>
                 <a:t>目录</a:t>
               </a:r>
+              <a:endParaRPr lang="zh-CN" altLang="en-US" sz="3600" dirty="0">
+                <a:solidFill>
+                  <a:srgbClr val="616163"/>
+                </a:solidFill>
+                <a:latin typeface="微软雅黑" panose="020B0503020204020204" pitchFamily="34" charset="-122"/>
+                <a:ea typeface="微软雅黑" panose="020B0503020204020204" pitchFamily="34" charset="-122"/>
+              </a:endParaRPr>
             </a:p>
           </p:txBody>
         </p:sp>
@@ -1018,9 +1007,7 @@
       <p:sp>
         <p:nvSpPr>
           <p:cNvPr id="15" name="Slide Number Placeholder 1"/>
-          <p:cNvSpPr txBox="1">
-            <a:spLocks/>
-          </p:cNvSpPr>
+          <p:cNvSpPr txBox="1"/>
           <p:nvPr userDrawn="1"/>
         </p:nvSpPr>
         <p:spPr>
@@ -1168,8 +1155,6 @@
                 <a:ea typeface="Arial Unicode MS" panose="020B0604020202020204" pitchFamily="34" charset="-122"/>
                 <a:cs typeface="Arial Unicode MS" panose="020B0604020202020204" pitchFamily="34" charset="-122"/>
               </a:rPr>
-              <a:pPr algn="r"/>
-              <a:t>‹#›</a:t>
             </a:fld>
             <a:endParaRPr lang="en-US" sz="900" dirty="0">
               <a:solidFill>
@@ -1185,11 +1170,6 @@
         </p:txBody>
       </p:sp>
     </p:spTree>
-    <p:extLst>
-      <p:ext uri="{BB962C8B-B14F-4D97-AF65-F5344CB8AC3E}">
-        <p14:creationId xmlns:p14="http://schemas.microsoft.com/office/powerpoint/2010/main" val="312052795"/>
-      </p:ext>
-    </p:extLst>
   </p:cSld>
   <p:clrMapOvr>
     <a:masterClrMapping/>
@@ -1359,11 +1339,6 @@
         </p:txBody>
       </p:sp>
     </p:spTree>
-    <p:extLst>
-      <p:ext uri="{BB962C8B-B14F-4D97-AF65-F5344CB8AC3E}">
-        <p14:creationId xmlns:p14="http://schemas.microsoft.com/office/powerpoint/2010/main" val="2904461899"/>
-      </p:ext>
-    </p:extLst>
   </p:cSld>
   <p:clrMapOvr>
     <a:masterClrMapping/>
@@ -1506,6 +1481,7 @@
               <a:rPr lang="zh-CN" altLang="en-US" dirty="0"/>
               <a:t>单击此处编辑母版文本样式</a:t>
             </a:r>
+            <a:endParaRPr lang="zh-CN" altLang="en-US" dirty="0"/>
           </a:p>
           <a:p>
             <a:pPr lvl="1"/>
@@ -1513,6 +1489,7 @@
               <a:rPr lang="zh-CN" altLang="en-US" dirty="0"/>
               <a:t>第二级</a:t>
             </a:r>
+            <a:endParaRPr lang="zh-CN" altLang="en-US" dirty="0"/>
           </a:p>
           <a:p>
             <a:pPr lvl="2"/>
@@ -1520,6 +1497,7 @@
               <a:rPr lang="zh-CN" altLang="en-US" dirty="0"/>
               <a:t>第三级</a:t>
             </a:r>
+            <a:endParaRPr lang="zh-CN" altLang="en-US" dirty="0"/>
           </a:p>
           <a:p>
             <a:pPr lvl="3"/>
@@ -1527,6 +1505,7 @@
               <a:rPr lang="zh-CN" altLang="en-US" dirty="0"/>
               <a:t>第四级</a:t>
             </a:r>
+            <a:endParaRPr lang="zh-CN" altLang="en-US" dirty="0"/>
           </a:p>
           <a:p>
             <a:pPr lvl="4"/>
@@ -1676,15 +1655,14 @@
               <a:rPr lang="zh-CN" altLang="en-US" dirty="0"/>
               <a:t>单击此处编辑母版文本样式</a:t>
             </a:r>
+            <a:endParaRPr lang="zh-CN" altLang="en-US" dirty="0"/>
           </a:p>
         </p:txBody>
       </p:sp>
       <p:sp>
         <p:nvSpPr>
           <p:cNvPr id="16" name="Slide Number Placeholder 1"/>
-          <p:cNvSpPr txBox="1">
-            <a:spLocks/>
-          </p:cNvSpPr>
+          <p:cNvSpPr txBox="1"/>
           <p:nvPr userDrawn="1"/>
         </p:nvSpPr>
         <p:spPr>
@@ -1832,8 +1810,6 @@
                 <a:ea typeface="Arial Unicode MS" panose="020B0604020202020204" pitchFamily="34" charset="-122"/>
                 <a:cs typeface="Arial Unicode MS" panose="020B0604020202020204" pitchFamily="34" charset="-122"/>
               </a:rPr>
-              <a:pPr algn="r"/>
-              <a:t>‹#›</a:t>
             </a:fld>
             <a:endParaRPr lang="en-US" sz="900" dirty="0">
               <a:solidFill>
@@ -1849,11 +1825,6 @@
         </p:txBody>
       </p:sp>
     </p:spTree>
-    <p:extLst>
-      <p:ext uri="{BB962C8B-B14F-4D97-AF65-F5344CB8AC3E}">
-        <p14:creationId xmlns:p14="http://schemas.microsoft.com/office/powerpoint/2010/main" val="3325059807"/>
-      </p:ext>
-    </p:extLst>
   </p:cSld>
   <p:clrMapOvr>
     <a:masterClrMapping/>
@@ -1996,6 +1967,7 @@
               <a:rPr lang="zh-CN" altLang="en-US" dirty="0"/>
               <a:t>单击此处编辑母版文本样式</a:t>
             </a:r>
+            <a:endParaRPr lang="zh-CN" altLang="en-US" dirty="0"/>
           </a:p>
           <a:p>
             <a:pPr lvl="1"/>
@@ -2003,6 +1975,7 @@
               <a:rPr lang="zh-CN" altLang="en-US" dirty="0"/>
               <a:t>第二级</a:t>
             </a:r>
+            <a:endParaRPr lang="zh-CN" altLang="en-US" dirty="0"/>
           </a:p>
           <a:p>
             <a:pPr lvl="2"/>
@@ -2010,6 +1983,7 @@
               <a:rPr lang="zh-CN" altLang="en-US" dirty="0"/>
               <a:t>第三级</a:t>
             </a:r>
+            <a:endParaRPr lang="zh-CN" altLang="en-US" dirty="0"/>
           </a:p>
           <a:p>
             <a:pPr lvl="3"/>
@@ -2017,6 +1991,7 @@
               <a:rPr lang="zh-CN" altLang="en-US" dirty="0"/>
               <a:t>第四级</a:t>
             </a:r>
+            <a:endParaRPr lang="zh-CN" altLang="en-US" dirty="0"/>
           </a:p>
           <a:p>
             <a:pPr lvl="4"/>
@@ -2166,6 +2141,7 @@
               <a:rPr lang="zh-CN" altLang="en-US" dirty="0"/>
               <a:t>单击此处编辑母版文本样式</a:t>
             </a:r>
+            <a:endParaRPr lang="zh-CN" altLang="en-US" dirty="0"/>
           </a:p>
         </p:txBody>
       </p:sp>
@@ -2257,6 +2233,7 @@
               <a:rPr lang="zh-CN" altLang="en-US" dirty="0"/>
               <a:t>单击此处编辑母版文本样式</a:t>
             </a:r>
+            <a:endParaRPr lang="zh-CN" altLang="en-US" dirty="0"/>
           </a:p>
           <a:p>
             <a:pPr lvl="1"/>
@@ -2264,6 +2241,7 @@
               <a:rPr lang="zh-CN" altLang="en-US" dirty="0"/>
               <a:t>第二级</a:t>
             </a:r>
+            <a:endParaRPr lang="zh-CN" altLang="en-US" dirty="0"/>
           </a:p>
           <a:p>
             <a:pPr lvl="2"/>
@@ -2271,6 +2249,7 @@
               <a:rPr lang="zh-CN" altLang="en-US" dirty="0"/>
               <a:t>第三级</a:t>
             </a:r>
+            <a:endParaRPr lang="zh-CN" altLang="en-US" dirty="0"/>
           </a:p>
           <a:p>
             <a:pPr lvl="3"/>
@@ -2278,6 +2257,7 @@
               <a:rPr lang="zh-CN" altLang="en-US" dirty="0"/>
               <a:t>第四级</a:t>
             </a:r>
+            <a:endParaRPr lang="zh-CN" altLang="en-US" dirty="0"/>
           </a:p>
           <a:p>
             <a:pPr lvl="4"/>
@@ -2292,9 +2272,7 @@
       <p:sp>
         <p:nvSpPr>
           <p:cNvPr id="17" name="Slide Number Placeholder 1"/>
-          <p:cNvSpPr txBox="1">
-            <a:spLocks/>
-          </p:cNvSpPr>
+          <p:cNvSpPr txBox="1"/>
           <p:nvPr userDrawn="1"/>
         </p:nvSpPr>
         <p:spPr>
@@ -2442,8 +2420,6 @@
                 <a:ea typeface="Arial Unicode MS" panose="020B0604020202020204" pitchFamily="34" charset="-122"/>
                 <a:cs typeface="Arial Unicode MS" panose="020B0604020202020204" pitchFamily="34" charset="-122"/>
               </a:rPr>
-              <a:pPr algn="r"/>
-              <a:t>‹#›</a:t>
             </a:fld>
             <a:r>
               <a:rPr lang="en-US" sz="900" baseline="0" dirty="0">
@@ -2472,11 +2448,6 @@
         </p:txBody>
       </p:sp>
     </p:spTree>
-    <p:extLst>
-      <p:ext uri="{BB962C8B-B14F-4D97-AF65-F5344CB8AC3E}">
-        <p14:creationId xmlns:p14="http://schemas.microsoft.com/office/powerpoint/2010/main" val="1218778156"/>
-      </p:ext>
-    </p:extLst>
   </p:cSld>
   <p:clrMapOvr>
     <a:masterClrMapping/>
@@ -2578,11 +2549,6 @@
         </p:txBody>
       </p:sp>
     </p:spTree>
-    <p:extLst>
-      <p:ext uri="{BB962C8B-B14F-4D97-AF65-F5344CB8AC3E}">
-        <p14:creationId xmlns:p14="http://schemas.microsoft.com/office/powerpoint/2010/main" val="989690559"/>
-      </p:ext>
-    </p:extLst>
   </p:cSld>
   <p:clrMapOvr>
     <a:masterClrMapping/>
@@ -2641,6 +2607,7 @@
               <a:rPr lang="zh-CN" altLang="en-US"/>
               <a:t>单击此处编辑母版标题样式</a:t>
             </a:r>
+            <a:endParaRPr lang="zh-CN" altLang="en-US"/>
           </a:p>
         </p:txBody>
       </p:sp>
@@ -2674,6 +2641,7 @@
               <a:rPr lang="zh-CN" altLang="en-US"/>
               <a:t>单击此处编辑母版文本样式</a:t>
             </a:r>
+            <a:endParaRPr lang="zh-CN" altLang="en-US"/>
           </a:p>
           <a:p>
             <a:pPr lvl="1"/>
@@ -2681,6 +2649,7 @@
               <a:rPr lang="zh-CN" altLang="en-US"/>
               <a:t>第二级</a:t>
             </a:r>
+            <a:endParaRPr lang="zh-CN" altLang="en-US"/>
           </a:p>
           <a:p>
             <a:pPr lvl="2"/>
@@ -2688,6 +2657,7 @@
               <a:rPr lang="zh-CN" altLang="en-US"/>
               <a:t>第三级</a:t>
             </a:r>
+            <a:endParaRPr lang="zh-CN" altLang="en-US"/>
           </a:p>
           <a:p>
             <a:pPr lvl="3"/>
@@ -2695,6 +2665,7 @@
               <a:rPr lang="zh-CN" altLang="en-US"/>
               <a:t>第四级</a:t>
             </a:r>
+            <a:endParaRPr lang="zh-CN" altLang="en-US"/>
           </a:p>
           <a:p>
             <a:pPr lvl="4"/>
@@ -2702,6 +2673,7 @@
               <a:rPr lang="zh-CN" altLang="en-US"/>
               <a:t>第五级</a:t>
             </a:r>
+            <a:endParaRPr lang="zh-CN" altLang="en-US"/>
           </a:p>
         </p:txBody>
       </p:sp>
@@ -2740,7 +2712,6 @@
           <a:p>
             <a:fld id="{B533F572-7296-44CA-B8CF-8C259B54199B}" type="datetimeFigureOut">
               <a:rPr lang="zh-CN" altLang="en-US" smtClean="0"/>
-              <a:t>2023/2/6</a:t>
             </a:fld>
             <a:endParaRPr lang="zh-CN" altLang="en-US"/>
           </a:p>
@@ -2818,18 +2789,12 @@
           <a:p>
             <a:fld id="{F0495F81-0E1E-4C52-979B-3B851EB8B816}" type="slidenum">
               <a:rPr lang="zh-CN" altLang="en-US" smtClean="0"/>
-              <a:t>‹#›</a:t>
             </a:fld>
             <a:endParaRPr lang="zh-CN" altLang="en-US"/>
           </a:p>
         </p:txBody>
       </p:sp>
     </p:spTree>
-    <p:extLst>
-      <p:ext uri="{BB962C8B-B14F-4D97-AF65-F5344CB8AC3E}">
-        <p14:creationId xmlns:p14="http://schemas.microsoft.com/office/powerpoint/2010/main" val="2186716621"/>
-      </p:ext>
-    </p:extLst>
   </p:cSld>
   <p:clrMap bg1="lt1" tx1="dk1" bg2="lt2" tx2="dk2" accent1="accent1" accent2="accent2" accent3="accent3" accent4="accent4" accent5="accent5" accent6="accent6" hlink="hlink" folHlink="folHlink"/>
   <p:sldLayoutIdLst>
@@ -3202,9 +3167,7 @@
       <p:sp>
         <p:nvSpPr>
           <p:cNvPr id="5" name="文本占位符 3"/>
-          <p:cNvSpPr txBox="1">
-            <a:spLocks/>
-          </p:cNvSpPr>
+          <p:cNvSpPr txBox="1"/>
           <p:nvPr/>
         </p:nvSpPr>
         <p:spPr>
@@ -3390,11 +3353,6 @@
         </p:txBody>
       </p:sp>
     </p:spTree>
-    <p:extLst>
-      <p:ext uri="{BB962C8B-B14F-4D97-AF65-F5344CB8AC3E}">
-        <p14:creationId xmlns:p14="http://schemas.microsoft.com/office/powerpoint/2010/main" val="3175309272"/>
-      </p:ext>
-    </p:extLst>
   </p:cSld>
   <p:clrMapOvr>
     <a:masterClrMapping/>
@@ -3573,15 +3531,11 @@
               <a:rPr lang="zh-CN" altLang="en-US" dirty="0"/>
               <a:t>目录</a:t>
             </a:r>
+            <a:endParaRPr lang="zh-CN" altLang="en-US" dirty="0"/>
           </a:p>
         </p:txBody>
       </p:sp>
     </p:spTree>
-    <p:extLst>
-      <p:ext uri="{BB962C8B-B14F-4D97-AF65-F5344CB8AC3E}">
-        <p14:creationId xmlns:p14="http://schemas.microsoft.com/office/powerpoint/2010/main" val="886973461"/>
-      </p:ext>
-    </p:extLst>
   </p:cSld>
   <p:clrMapOvr>
     <a:masterClrMapping/>
@@ -3748,6 +3702,7 @@
               <a:rPr lang="zh-CN" altLang="en-US" sz="1400" dirty="0"/>
               <a:t>序列化： 将数据结构或对象转换成二进制串的过程</a:t>
             </a:r>
+            <a:endParaRPr lang="zh-CN" altLang="en-US" sz="1400" dirty="0"/>
           </a:p>
           <a:p>
             <a:pPr lvl="1"/>
@@ -4037,11 +3992,6 @@
         </p:txBody>
       </p:sp>
     </p:spTree>
-    <p:extLst>
-      <p:ext uri="{BB962C8B-B14F-4D97-AF65-F5344CB8AC3E}">
-        <p14:creationId xmlns:p14="http://schemas.microsoft.com/office/powerpoint/2010/main" val="586459273"/>
-      </p:ext>
-    </p:extLst>
   </p:cSld>
   <p:clrMapOvr>
     <a:masterClrMapping/>
@@ -4092,6 +4042,7 @@
               <a:rPr lang="zh-CN" altLang="en-US" dirty="0"/>
               <a:t>组件</a:t>
             </a:r>
+            <a:endParaRPr lang="zh-CN" altLang="en-US" dirty="0"/>
           </a:p>
         </p:txBody>
       </p:sp>
@@ -4165,6 +4116,7 @@
               <a:rPr lang="zh-CN" altLang="en-US" sz="1500" dirty="0"/>
               <a:t>文件。</a:t>
             </a:r>
+            <a:endParaRPr lang="zh-CN" altLang="en-US" sz="1500" dirty="0"/>
           </a:p>
           <a:p>
             <a:r>
@@ -4191,6 +4143,7 @@
               <a:rPr lang="zh-CN" altLang="en-US" sz="1500" dirty="0"/>
               <a:t>文件转换成各语言对应的动态库。</a:t>
             </a:r>
+            <a:endParaRPr lang="zh-CN" altLang="en-US" sz="1500" dirty="0"/>
           </a:p>
           <a:p>
             <a:r>
@@ -4233,6 +4186,7 @@
               <a:rPr lang="zh-CN" altLang="en-US" sz="1500" dirty="0"/>
               <a:t>。</a:t>
             </a:r>
+            <a:endParaRPr lang="zh-CN" altLang="en-US" sz="1500" dirty="0"/>
           </a:p>
           <a:p>
             <a:r>
@@ -4267,12 +4221,14 @@
               <a:rPr lang="zh-CN" altLang="en-US" sz="1500" dirty="0"/>
               <a:t>。</a:t>
             </a:r>
+            <a:endParaRPr lang="zh-CN" altLang="en-US" sz="1500" dirty="0"/>
           </a:p>
           <a:p>
             <a:r>
               <a:rPr lang="zh-CN" altLang="en-US" sz="1500" dirty="0"/>
               <a:t>底层协议栈和互联网：序列化之后的数据通过底层的传输层、网络层、链路层以及物理层协议转换成数字信号在互联网中传递。</a:t>
             </a:r>
+            <a:endParaRPr lang="zh-CN" altLang="en-US" sz="1500" dirty="0"/>
           </a:p>
           <a:p>
             <a:pPr marL="0" indent="0">
@@ -4283,11 +4239,6 @@
         </p:txBody>
       </p:sp>
     </p:spTree>
-    <p:extLst>
-      <p:ext uri="{BB962C8B-B14F-4D97-AF65-F5344CB8AC3E}">
-        <p14:creationId xmlns:p14="http://schemas.microsoft.com/office/powerpoint/2010/main" val="2832804716"/>
-      </p:ext>
-    </p:extLst>
   </p:cSld>
   <p:clrMapOvr>
     <a:masterClrMapping/>
@@ -4338,6 +4289,7 @@
               <a:rPr lang="zh-CN" altLang="en-US" dirty="0"/>
               <a:t>组件</a:t>
             </a:r>
+            <a:endParaRPr lang="zh-CN" altLang="en-US" dirty="0"/>
           </a:p>
         </p:txBody>
       </p:sp>
@@ -4350,7 +4302,7 @@
           <p:nvPr/>
         </p:nvPicPr>
         <p:blipFill>
-          <a:blip r:embed="rId2">
+          <a:blip r:embed="rId1">
             <a:extLst>
               <a:ext uri="{28A0092B-C50C-407E-A947-70E740481C1C}">
                 <a14:useLocalDpi xmlns:a14="http://schemas.microsoft.com/office/drawing/2010/main" val="0"/>
@@ -4383,11 +4335,6 @@
         </p:spPr>
       </p:pic>
     </p:spTree>
-    <p:extLst>
-      <p:ext uri="{BB962C8B-B14F-4D97-AF65-F5344CB8AC3E}">
-        <p14:creationId xmlns:p14="http://schemas.microsoft.com/office/powerpoint/2010/main" val="3558970711"/>
-      </p:ext>
-    </p:extLst>
   </p:cSld>
   <p:clrMapOvr>
     <a:masterClrMapping/>
@@ -4483,6 +4430,7 @@
               <a:rPr lang="en-US" altLang="zh-CN" sz="1800" dirty="0" smtClean="0"/>
               <a:t>JSON</a:t>
             </a:r>
+            <a:endParaRPr lang="en-US" altLang="zh-CN" sz="1800" dirty="0" smtClean="0"/>
           </a:p>
           <a:p>
             <a:pPr marL="342900" indent="-342900">
@@ -4493,6 +4441,7 @@
               <a:rPr lang="en-US" altLang="zh-CN" sz="1800" dirty="0" smtClean="0"/>
               <a:t>Thrift</a:t>
             </a:r>
+            <a:endParaRPr lang="en-US" altLang="zh-CN" sz="1800" dirty="0" smtClean="0"/>
           </a:p>
           <a:p>
             <a:pPr marL="342900" indent="-342900">
@@ -4508,11 +4457,6 @@
         </p:txBody>
       </p:sp>
     </p:spTree>
-    <p:extLst>
-      <p:ext uri="{BB962C8B-B14F-4D97-AF65-F5344CB8AC3E}">
-        <p14:creationId xmlns:p14="http://schemas.microsoft.com/office/powerpoint/2010/main" val="733412378"/>
-      </p:ext>
-    </p:extLst>
   </p:cSld>
   <p:clrMapOvr>
     <a:masterClrMapping/>
@@ -4655,34 +4599,35 @@
             </a:r>
             <a:r>
               <a:rPr lang="zh-CN" altLang="en-US" sz="1800" dirty="0">
+                <a:hlinkClick r:id="rId1"/>
+              </a:rPr>
+              <a:t>接口</a:t>
+            </a:r>
+            <a:r>
+              <a:rPr lang="zh-CN" altLang="en-US" sz="1800" dirty="0"/>
+              <a:t>，使得在不同平台上运行的对象和用不同语言编写的程序可以相互通信交流；比如，一个组件用</a:t>
+            </a:r>
+            <a:r>
+              <a:rPr lang="en-US" altLang="zh-CN" sz="1800" dirty="0">
                 <a:hlinkClick r:id="rId2"/>
               </a:rPr>
-              <a:t>接口</a:t>
+              <a:t>C++</a:t>
             </a:r>
             <a:r>
               <a:rPr lang="zh-CN" altLang="en-US" sz="1800" dirty="0"/>
-              <a:t>，使得在不同平台上运行的对象和用不同语言编写的程序可以相互通信交流；比如，一个组件用</a:t>
+              <a:t>写成，另一个组件用</a:t>
             </a:r>
             <a:r>
               <a:rPr lang="en-US" altLang="zh-CN" sz="1800" dirty="0">
                 <a:hlinkClick r:id="rId3"/>
               </a:rPr>
-              <a:t>C++</a:t>
-            </a:r>
-            <a:r>
-              <a:rPr lang="zh-CN" altLang="en-US" sz="1800" dirty="0"/>
-              <a:t>写成，另一个组件用</a:t>
-            </a:r>
-            <a:r>
-              <a:rPr lang="en-US" altLang="zh-CN" sz="1800" dirty="0">
-                <a:hlinkClick r:id="rId4"/>
-              </a:rPr>
               <a:t>Java</a:t>
             </a:r>
             <a:r>
               <a:rPr lang="zh-CN" altLang="en-US" sz="1800" dirty="0"/>
               <a:t>写成。</a:t>
             </a:r>
+            <a:endParaRPr lang="zh-CN" altLang="en-US" sz="1800" dirty="0"/>
           </a:p>
           <a:p>
             <a:pPr marL="0" indent="0">
@@ -4747,6 +4692,7 @@
               <a:rPr lang="zh-CN" altLang="en-US" sz="1800" dirty="0"/>
               <a:t>接口</a:t>
             </a:r>
+            <a:endParaRPr lang="zh-CN" altLang="en-US" sz="1800" dirty="0"/>
           </a:p>
           <a:p>
             <a:pPr marL="0" indent="0">
@@ -4757,11 +4703,6 @@
         </p:txBody>
       </p:sp>
     </p:spTree>
-    <p:extLst>
-      <p:ext uri="{BB962C8B-B14F-4D97-AF65-F5344CB8AC3E}">
-        <p14:creationId xmlns:p14="http://schemas.microsoft.com/office/powerpoint/2010/main" val="3780302891"/>
-      </p:ext>
-    </p:extLst>
   </p:cSld>
   <p:clrMapOvr>
     <a:masterClrMapping/>
@@ -4933,11 +4874,6 @@
         </p:txBody>
       </p:sp>
     </p:spTree>
-    <p:extLst>
-      <p:ext uri="{BB962C8B-B14F-4D97-AF65-F5344CB8AC3E}">
-        <p14:creationId xmlns:p14="http://schemas.microsoft.com/office/powerpoint/2010/main" val="1249472593"/>
-      </p:ext>
-    </p:extLst>
   </p:cSld>
   <p:clrMapOvr>
     <a:masterClrMapping/>
@@ -4985,60 +4921,12 @@
           <a:lstStyle/>
           <a:p>
             <a:r>
-              <a:rPr lang="en-US" altLang="zh-CN" dirty="0">
-                <a:hlinkClick r:id="rId2"/>
+              <a:rPr dirty="0">
+                <a:hlinkClick r:id="rId1"/>
               </a:rPr>
-              <a:t>Netflix </a:t>
-            </a:r>
-            <a:r>
-              <a:rPr lang="zh-CN" altLang="en-US" dirty="0">
-                <a:hlinkClick r:id="rId2"/>
-              </a:rPr>
-              <a:t>实用 </a:t>
-            </a:r>
-            <a:r>
-              <a:rPr lang="en-US" altLang="zh-CN" dirty="0">
-                <a:hlinkClick r:id="rId2"/>
-              </a:rPr>
-              <a:t>API </a:t>
-            </a:r>
-            <a:r>
-              <a:rPr lang="zh-CN" altLang="en-US" dirty="0">
-                <a:hlinkClick r:id="rId2"/>
-              </a:rPr>
-              <a:t>设计 </a:t>
-            </a:r>
-            <a:r>
-              <a:rPr lang="en-US" altLang="zh-CN" dirty="0">
-                <a:hlinkClick r:id="rId2"/>
-              </a:rPr>
-              <a:t>(</a:t>
-            </a:r>
-            <a:r>
-              <a:rPr lang="zh-CN" altLang="en-US" dirty="0">
-                <a:hlinkClick r:id="rId2"/>
-              </a:rPr>
-              <a:t>上</a:t>
-            </a:r>
-            <a:r>
-              <a:rPr lang="en-US" altLang="zh-CN" dirty="0">
-                <a:hlinkClick r:id="rId2"/>
-              </a:rPr>
-              <a:t>)-</a:t>
-            </a:r>
-            <a:r>
-              <a:rPr lang="zh-CN" altLang="en-US" dirty="0">
-                <a:hlinkClick r:id="rId2"/>
-              </a:rPr>
-              <a:t>阿里云开发者社区 </a:t>
-            </a:r>
-            <a:r>
-              <a:rPr lang="en-US" altLang="zh-CN" dirty="0">
-                <a:hlinkClick r:id="rId2"/>
-              </a:rPr>
-              <a:t>(aliyun.com)</a:t>
-            </a:r>
-            <a:endParaRPr lang="zh-CN" altLang="en-US" dirty="0"/>
+              <a:t>https://developer.aliyun.com/article/1110198</a:t>
+            </a:r>
+            <a:endParaRPr dirty="0"/>
           </a:p>
         </p:txBody>
       </p:sp>
@@ -5074,16 +4962,18 @@
         </p:txBody>
       </p:sp>
     </p:spTree>
-    <p:extLst>
-      <p:ext uri="{BB962C8B-B14F-4D97-AF65-F5344CB8AC3E}">
-        <p14:creationId xmlns:p14="http://schemas.microsoft.com/office/powerpoint/2010/main" val="3757653032"/>
-      </p:ext>
-    </p:extLst>
   </p:cSld>
   <p:clrMapOvr>
     <a:masterClrMapping/>
   </p:clrMapOvr>
 </p:sld>
+</file>
+
+<file path=ppt/tags/tag1.xml><?xml version="1.0" encoding="utf-8"?>
+<p:tagLst xmlns:p="http://schemas.openxmlformats.org/presentationml/2006/main">
+  <p:tag name="KSO_WPP_MARK_KEY" val="201bf6ab-6d22-400f-8c77-b6d0323fe2b2"/>
+  <p:tag name="COMMONDATA" val="eyJoZGlkIjoiZWY0Mzc1NjQ4YzQ5ZjM3ZGE2ZWE3NTAxYmJhYWRmYWIifQ=="/>
+</p:tagLst>
 </file>
 
 <file path=ppt/theme/theme1.xml><?xml version="1.0" encoding="utf-8"?>
@@ -5129,7 +5019,7 @@
     </a:clrScheme>
     <a:fontScheme name="Office">
       <a:majorFont>
-        <a:latin typeface="Calibri Light" panose="020F0302020204030204"/>
+        <a:latin typeface="Calibri Light"/>
         <a:ea typeface=""/>
         <a:cs typeface=""/>
         <a:font script="Jpan" typeface="ＭＳ Ｐゴシック"/>
@@ -5164,7 +5054,7 @@
         <a:font script="Geor" typeface="Sylfaen"/>
       </a:majorFont>
       <a:minorFont>
-        <a:latin typeface="Calibri" panose="020F0502020204030204"/>
+        <a:latin typeface="Calibri"/>
         <a:ea typeface=""/>
         <a:cs typeface=""/>
         <a:font script="Jpan" typeface="ＭＳ Ｐゴシック"/>
@@ -5337,8 +5227,6 @@
       </a:bgFillStyleLst>
     </a:fmtScheme>
   </a:themeElements>
-  <a:objectDefaults/>
-  <a:extraClrSchemeLst/>
   <a:extLst>
     <a:ext uri="{05A4C25C-085E-4340-85A3-A5531E510DB2}">
       <thm15:themeFamily xmlns:thm15="http://schemas.microsoft.com/office/thememl/2012/main" name="Office Theme" id="{62F939B6-93AF-4DB8-9C6B-D6C7DFDC589F}" vid="{4A3C46E8-61CC-4603-A589-7422A47A8E4A}"/>
@@ -5390,7 +5278,7 @@
     </a:clrScheme>
     <a:fontScheme name="Office">
       <a:majorFont>
-        <a:latin typeface="等线 Light" panose="020F0302020204030204"/>
+        <a:latin typeface="等线 Light"/>
         <a:ea typeface=""/>
         <a:cs typeface=""/>
         <a:font script="Jpan" typeface="游ゴシック Light"/>
@@ -5425,7 +5313,7 @@
         <a:font script="Geor" typeface="Sylfaen"/>
       </a:majorFont>
       <a:minorFont>
-        <a:latin typeface="等线" panose="020F0502020204030204"/>
+        <a:latin typeface="等线"/>
         <a:ea typeface=""/>
         <a:cs typeface=""/>
         <a:font script="Jpan" typeface="游ゴシック"/>
@@ -5598,8 +5486,6 @@
       </a:bgFillStyleLst>
     </a:fmtScheme>
   </a:themeElements>
-  <a:objectDefaults/>
-  <a:extraClrSchemeLst/>
   <a:extLst>
     <a:ext uri="{05A4C25C-085E-4340-85A3-A5531E510DB2}">
       <thm15:themeFamily xmlns:thm15="http://schemas.microsoft.com/office/thememl/2012/main" name="Office Theme" id="{62F939B6-93AF-4DB8-9C6B-D6C7DFDC589F}" vid="{4A3C46E8-61CC-4603-A589-7422A47A8E4A}"/>
